--- a/<Lingineni>_ENGI301_project_01_proposal.pptx
+++ b/<Lingineni>_ENGI301_project_01_proposal.pptx
@@ -5,17 +5,18 @@
     <p:sldMasterId id="2147483648" r:id="rId1"/>
   </p:sldMasterIdLst>
   <p:notesMasterIdLst>
-    <p:notesMasterId r:id="rId7"/>
+    <p:notesMasterId r:id="rId8"/>
   </p:notesMasterIdLst>
   <p:handoutMasterIdLst>
-    <p:handoutMasterId r:id="rId8"/>
+    <p:handoutMasterId r:id="rId9"/>
   </p:handoutMasterIdLst>
   <p:sldIdLst>
     <p:sldId id="261" r:id="rId2"/>
     <p:sldId id="367" r:id="rId3"/>
     <p:sldId id="368" r:id="rId4"/>
     <p:sldId id="370" r:id="rId5"/>
-    <p:sldId id="369" r:id="rId6"/>
+    <p:sldId id="371" r:id="rId6"/>
+    <p:sldId id="369" r:id="rId7"/>
   </p:sldIdLst>
   <p:sldSz cx="12192000" cy="6858000"/>
   <p:notesSz cx="6858000" cy="9144000"/>
@@ -218,7 +219,7 @@
           <a:p>
             <a:fld id="{59041DB8-B66F-4DC8-A96E-33677E0F90FF}" type="datetimeFigureOut">
               <a:rPr lang="en-US" smtClean="0"/>
-              <a:t>10/1/23</a:t>
+              <a:t>10/12/23</a:t>
             </a:fld>
             <a:endParaRPr lang="en-US"/>
           </a:p>
@@ -383,7 +384,7 @@
           <a:p>
             <a:fld id="{DEB49C4A-65AC-492D-9701-81B46C3AD0E4}" type="datetimeFigureOut">
               <a:rPr lang="en-US" smtClean="0"/>
-              <a:t>10/1/23</a:t>
+              <a:t>10/12/23</a:t>
             </a:fld>
             <a:endParaRPr lang="en-US"/>
           </a:p>
@@ -2791,7 +2792,7 @@
           <a:p>
             <a:fld id="{384A29A4-78C8-47AB-BA06-22CB45938951}" type="datetime1">
               <a:rPr lang="en-US" smtClean="0"/>
-              <a:t>10/1/23</a:t>
+              <a:t>10/12/23</a:t>
             </a:fld>
             <a:endParaRPr lang="en-US"/>
           </a:p>
@@ -2986,7 +2987,7 @@
           <a:p>
             <a:fld id="{E1ED4ACF-2D82-46F2-A8E9-23963AA34E86}" type="datetime1">
               <a:rPr lang="en-US" smtClean="0"/>
-              <a:t>10/1/23</a:t>
+              <a:t>10/12/23</a:t>
             </a:fld>
             <a:endParaRPr lang="en-US"/>
           </a:p>
@@ -3180,7 +3181,7 @@
           <a:p>
             <a:fld id="{AE374B5B-21A0-4192-BF4C-38187F1A68D8}" type="datetime1">
               <a:rPr lang="en-US" smtClean="0"/>
-              <a:t>10/1/23</a:t>
+              <a:t>10/12/23</a:t>
             </a:fld>
             <a:endParaRPr lang="en-US"/>
           </a:p>
@@ -5521,7 +5522,7 @@
           <a:p>
             <a:fld id="{33B5CF7C-B333-48E1-A4A6-83A3C8B73AC0}" type="datetime1">
               <a:rPr lang="en-US" smtClean="0"/>
-              <a:t>10/1/23</a:t>
+              <a:t>10/12/23</a:t>
             </a:fld>
             <a:endParaRPr lang="en-US"/>
           </a:p>
@@ -5974,7 +5975,7 @@
           <a:p>
             <a:fld id="{AE320762-5CBF-4210-AB54-376B091119F8}" type="datetime1">
               <a:rPr lang="en-US" smtClean="0"/>
-              <a:t>10/1/23</a:t>
+              <a:t>10/12/23</a:t>
             </a:fld>
             <a:endParaRPr lang="en-US"/>
           </a:p>
@@ -6106,7 +6107,7 @@
           <a:p>
             <a:fld id="{7F0DB371-BF5F-4058-A212-1A908E4D2674}" type="datetime1">
               <a:rPr lang="en-US" smtClean="0"/>
-              <a:t>10/1/23</a:t>
+              <a:t>10/12/23</a:t>
             </a:fld>
             <a:endParaRPr lang="en-US"/>
           </a:p>
@@ -8039,7 +8040,7 @@
           <a:p>
             <a:fld id="{60A4083B-90AA-48CF-BAD5-00AA24D7F288}" type="datetime1">
               <a:rPr lang="en-US" smtClean="0"/>
-              <a:t>10/1/23</a:t>
+              <a:t>10/12/23</a:t>
             </a:fld>
             <a:endParaRPr lang="en-US"/>
           </a:p>
@@ -10298,7 +10299,7 @@
             <a:fld id="{F5BAF629-ECA2-4CF3-B790-9D9BDED98269}" type="datetime1">
               <a:rPr lang="en-US" smtClean="0"/>
               <a:pPr/>
-              <a:t>10/1/23</a:t>
+              <a:t>10/12/23</a:t>
             </a:fld>
             <a:endParaRPr lang="en-US"/>
           </a:p>
@@ -14593,7 +14594,7 @@
             <a:fld id="{B51B2453-8663-4C69-AF73-9FD7B1DEC5D0}" type="datetime1">
               <a:rPr lang="en-US" smtClean="0"/>
               <a:pPr/>
-              <a:t>10/1/23</a:t>
+              <a:t>10/12/23</a:t>
             </a:fld>
             <a:endParaRPr lang="en-US" dirty="0"/>
           </a:p>
@@ -15578,6 +15579,106 @@
 </file>
 
 <file path=ppt/slides/slide5.xml><?xml version="1.0" encoding="utf-8"?>
+<p:sld xmlns:a="http://schemas.openxmlformats.org/drawingml/2006/main" xmlns:r="http://schemas.openxmlformats.org/officeDocument/2006/relationships" xmlns:p="http://schemas.openxmlformats.org/presentationml/2006/main">
+  <p:cSld>
+    <p:spTree>
+      <p:nvGrpSpPr>
+        <p:cNvPr id="1" name=""/>
+        <p:cNvGrpSpPr/>
+        <p:nvPr/>
+      </p:nvGrpSpPr>
+      <p:grpSpPr>
+        <a:xfrm>
+          <a:off x="0" y="0"/>
+          <a:ext cx="0" cy="0"/>
+          <a:chOff x="0" y="0"/>
+          <a:chExt cx="0" cy="0"/>
+        </a:xfrm>
+      </p:grpSpPr>
+      <p:sp>
+        <p:nvSpPr>
+          <p:cNvPr id="2" name="Title 1">
+            <a:extLst>
+              <a:ext uri="{FF2B5EF4-FFF2-40B4-BE49-F238E27FC236}">
+                <a16:creationId xmlns:a16="http://schemas.microsoft.com/office/drawing/2014/main" id="{562DFEA3-93A8-4943-9F3A-4798FB13F643}"/>
+              </a:ext>
+            </a:extLst>
+          </p:cNvPr>
+          <p:cNvSpPr>
+            <a:spLocks noGrp="1"/>
+          </p:cNvSpPr>
+          <p:nvPr>
+            <p:ph type="title"/>
+          </p:nvPr>
+        </p:nvSpPr>
+        <p:spPr/>
+        <p:txBody>
+          <a:bodyPr/>
+          <a:lstStyle/>
+          <a:p>
+            <a:r>
+              <a:rPr lang="en-US" dirty="0"/>
+              <a:t>Software Block Diagram</a:t>
+            </a:r>
+          </a:p>
+        </p:txBody>
+      </p:sp>
+      <p:pic>
+        <p:nvPicPr>
+          <p:cNvPr id="4" name="Picture 3" descr="A diagram of a diagram&#10;&#10;Description automatically generated">
+            <a:extLst>
+              <a:ext uri="{FF2B5EF4-FFF2-40B4-BE49-F238E27FC236}">
+                <a16:creationId xmlns:a16="http://schemas.microsoft.com/office/drawing/2014/main" id="{4A3EEC3A-12C1-FC91-D77D-573D3733A7AD}"/>
+              </a:ext>
+            </a:extLst>
+          </p:cNvPr>
+          <p:cNvPicPr>
+            <a:picLocks noChangeAspect="1"/>
+          </p:cNvPicPr>
+          <p:nvPr/>
+        </p:nvPicPr>
+        <p:blipFill>
+          <a:blip r:embed="rId2"/>
+          <a:stretch>
+            <a:fillRect/>
+          </a:stretch>
+        </p:blipFill>
+        <p:spPr>
+          <a:xfrm>
+            <a:off x="2209800" y="1485900"/>
+            <a:ext cx="7772400" cy="4377884"/>
+          </a:xfrm>
+          <a:prstGeom prst="rect">
+            <a:avLst/>
+          </a:prstGeom>
+        </p:spPr>
+      </p:pic>
+    </p:spTree>
+    <p:extLst>
+      <p:ext uri="{BB962C8B-B14F-4D97-AF65-F5344CB8AC3E}">
+        <p14:creationId xmlns:p14="http://schemas.microsoft.com/office/powerpoint/2010/main" val="498630069"/>
+      </p:ext>
+    </p:extLst>
+  </p:cSld>
+  <p:clrMapOvr>
+    <a:masterClrMapping/>
+  </p:clrMapOvr>
+  <mc:AlternateContent xmlns:mc="http://schemas.openxmlformats.org/markup-compatibility/2006">
+    <mc:Choice xmlns:p14="http://schemas.microsoft.com/office/powerpoint/2010/main" Requires="p14">
+      <p:transition spd="med" p14:dur="700">
+        <p:fade/>
+      </p:transition>
+    </mc:Choice>
+    <mc:Fallback>
+      <p:transition spd="med">
+        <p:fade/>
+      </p:transition>
+    </mc:Fallback>
+  </mc:AlternateContent>
+</p:sld>
+</file>
+
+<file path=ppt/slides/slide6.xml><?xml version="1.0" encoding="utf-8"?>
 <p:sld xmlns:a="http://schemas.openxmlformats.org/drawingml/2006/main" xmlns:r="http://schemas.openxmlformats.org/officeDocument/2006/relationships" xmlns:p="http://schemas.openxmlformats.org/presentationml/2006/main">
   <p:cSld>
     <p:spTree>
